--- a/202303 - Mend/DevSecOps - Shift-left Security More than just a catchphrase.pptx
+++ b/202303 - Mend/DevSecOps - Shift-left Security More than just a catchphrase.pptx
@@ -139,12 +139,12 @@
   <pc:docChgLst>
     <pc:chgData name="Vincent King" userId="f96d9c2d90ad25d7" providerId="LiveId" clId="{FF0723F2-02F5-429B-91E7-667A32512C40}"/>
     <pc:docChg chg="undo custSel addSld delSld modSld sldOrd modNotesMaster">
-      <pc:chgData name="Vincent King" userId="f96d9c2d90ad25d7" providerId="LiveId" clId="{FF0723F2-02F5-429B-91E7-667A32512C40}" dt="2023-03-05T19:56:06.326" v="13054" actId="6549"/>
+      <pc:chgData name="Vincent King" userId="f96d9c2d90ad25d7" providerId="LiveId" clId="{FF0723F2-02F5-429B-91E7-667A32512C40}" dt="2023-03-06T14:25:55.462" v="15984" actId="313"/>
       <pc:docMkLst>
         <pc:docMk/>
       </pc:docMkLst>
       <pc:sldChg chg="modNotesTx">
-        <pc:chgData name="Vincent King" userId="f96d9c2d90ad25d7" providerId="LiveId" clId="{FF0723F2-02F5-429B-91E7-667A32512C40}" dt="2023-03-05T19:29:38.878" v="11658" actId="20577"/>
+        <pc:chgData name="Vincent King" userId="f96d9c2d90ad25d7" providerId="LiveId" clId="{FF0723F2-02F5-429B-91E7-667A32512C40}" dt="2023-03-06T14:06:20.956" v="14310" actId="20577"/>
         <pc:sldMkLst>
           <pc:docMk/>
           <pc:sldMk cId="561810262" sldId="376"/>
@@ -166,7 +166,7 @@
         </pc:spChg>
       </pc:sldChg>
       <pc:sldChg chg="modSp mod modNotesTx">
-        <pc:chgData name="Vincent King" userId="f96d9c2d90ad25d7" providerId="LiveId" clId="{FF0723F2-02F5-429B-91E7-667A32512C40}" dt="2023-03-05T19:48:48.335" v="12355" actId="20577"/>
+        <pc:chgData name="Vincent King" userId="f96d9c2d90ad25d7" providerId="LiveId" clId="{FF0723F2-02F5-429B-91E7-667A32512C40}" dt="2023-03-06T14:25:55.462" v="15984" actId="313"/>
         <pc:sldMkLst>
           <pc:docMk/>
           <pc:sldMk cId="521180858" sldId="381"/>
@@ -219,7 +219,7 @@
         </pc:picChg>
       </pc:sldChg>
       <pc:sldChg chg="ord modNotesTx">
-        <pc:chgData name="Vincent King" userId="f96d9c2d90ad25d7" providerId="LiveId" clId="{FF0723F2-02F5-429B-91E7-667A32512C40}" dt="2023-03-05T19:20:46.079" v="11166" actId="20577"/>
+        <pc:chgData name="Vincent King" userId="f96d9c2d90ad25d7" providerId="LiveId" clId="{FF0723F2-02F5-429B-91E7-667A32512C40}" dt="2023-03-06T14:04:30.584" v="14076" actId="20577"/>
         <pc:sldMkLst>
           <pc:docMk/>
           <pc:sldMk cId="1566777283" sldId="389"/>
@@ -233,7 +233,7 @@
         </pc:sldMkLst>
       </pc:sldChg>
       <pc:sldChg chg="addSp delSp modSp mod modNotesTx">
-        <pc:chgData name="Vincent King" userId="f96d9c2d90ad25d7" providerId="LiveId" clId="{FF0723F2-02F5-429B-91E7-667A32512C40}" dt="2023-03-05T19:56:06.326" v="13054" actId="6549"/>
+        <pc:chgData name="Vincent King" userId="f96d9c2d90ad25d7" providerId="LiveId" clId="{FF0723F2-02F5-429B-91E7-667A32512C40}" dt="2023-03-06T13:59:38.339" v="13637" actId="6549"/>
         <pc:sldMkLst>
           <pc:docMk/>
           <pc:sldMk cId="290869389" sldId="391"/>
@@ -272,7 +272,7 @@
         </pc:picChg>
       </pc:sldChg>
       <pc:sldChg chg="addSp delSp modSp mod modNotesTx">
-        <pc:chgData name="Vincent King" userId="f96d9c2d90ad25d7" providerId="LiveId" clId="{FF0723F2-02F5-429B-91E7-667A32512C40}" dt="2023-03-05T19:29:10.844" v="11594" actId="20577"/>
+        <pc:chgData name="Vincent King" userId="f96d9c2d90ad25d7" providerId="LiveId" clId="{FF0723F2-02F5-429B-91E7-667A32512C40}" dt="2023-03-06T14:25:35.289" v="15983" actId="20577"/>
         <pc:sldMkLst>
           <pc:docMk/>
           <pc:sldMk cId="1360602424" sldId="392"/>
@@ -398,13 +398,13 @@
         </pc:sldMkLst>
       </pc:sldChg>
       <pc:sldChg chg="delSp modSp add mod modNotesTx">
-        <pc:chgData name="Vincent King" userId="f96d9c2d90ad25d7" providerId="LiveId" clId="{FF0723F2-02F5-429B-91E7-667A32512C40}" dt="2023-03-05T19:19:31.411" v="11080" actId="20577"/>
+        <pc:chgData name="Vincent King" userId="f96d9c2d90ad25d7" providerId="LiveId" clId="{FF0723F2-02F5-429B-91E7-667A32512C40}" dt="2023-03-06T14:02:22.122" v="13930" actId="20577"/>
         <pc:sldMkLst>
           <pc:docMk/>
           <pc:sldMk cId="357775427" sldId="394"/>
         </pc:sldMkLst>
-        <pc:spChg chg="mod">
-          <ac:chgData name="Vincent King" userId="f96d9c2d90ad25d7" providerId="LiveId" clId="{FF0723F2-02F5-429B-91E7-667A32512C40}" dt="2023-03-04T16:43:46.750" v="907"/>
+        <pc:spChg chg="del mod">
+          <ac:chgData name="Vincent King" userId="f96d9c2d90ad25d7" providerId="LiveId" clId="{FF0723F2-02F5-429B-91E7-667A32512C40}" dt="2023-03-06T13:59:55.175" v="13638" actId="478"/>
           <ac:spMkLst>
             <pc:docMk/>
             <pc:sldMk cId="357775427" sldId="394"/>
@@ -531,7 +531,7 @@
           <a:p>
             <a:fld id="{4340E002-B88B-4BB0-BA5A-919501F4FBF2}" type="datetimeFigureOut">
               <a:rPr lang="en-GB" smtClean="0"/>
-              <a:t>05/03/2023</a:t>
+              <a:t>06/03/2023</a:t>
             </a:fld>
             <a:endParaRPr lang="en-GB"/>
           </a:p>
@@ -1101,12 +1101,12 @@
               <a:t>Presentation is not specific tooling or vendors.  </a:t>
             </a:r>
             <a:r>
-              <a:rPr lang="en-GB" baseline="0" dirty="0" err="1"/>
-              <a:t>indepth</a:t>
+              <a:rPr lang="en-GB" baseline="0"/>
+              <a:t>in-depth </a:t>
             </a:r>
             <a:r>
               <a:rPr lang="en-GB" baseline="0" dirty="0"/>
-              <a:t> course of best practice.  Not a silver bullet</a:t>
+              <a:t>course of best practice.  Not a silver bullet</a:t>
             </a:r>
             <a:endParaRPr lang="en-GB" dirty="0"/>
           </a:p>
@@ -1513,16 +1513,6 @@
           <a:lstStyle/>
           <a:p>
             <a:r>
-              <a:rPr lang="en-GB" b="0" i="0">
-                <a:solidFill>
-                  <a:srgbClr val="242626"/>
-                </a:solidFill>
-                <a:effectLst/>
-                <a:latin typeface="+mn-lt"/>
-              </a:rPr>
-              <a:t>CISOs </a:t>
-            </a:r>
-            <a:r>
               <a:rPr lang="en-GB" b="0" i="0" dirty="0">
                 <a:solidFill>
                   <a:srgbClr val="242626"/>
@@ -1530,18 +1520,19 @@
                 <a:effectLst/>
                 <a:latin typeface="+mn-lt"/>
               </a:rPr>
-              <a:t>were </a:t>
-            </a:r>
-            <a:r>
-              <a:rPr lang="en-GB" b="0" i="0">
-                <a:solidFill>
-                  <a:srgbClr val="242626"/>
-                </a:solidFill>
-                <a:effectLst/>
-                <a:latin typeface="+mn-lt"/>
-              </a:rPr>
-              <a:t>asked factors made it difficult </a:t>
-            </a:r>
+              <a:t>CISOs were asked factors made it difficult to pinpoint and resolve application vulnerabilities.  </a:t>
+            </a:r>
+          </a:p>
+          <a:p>
+            <a:endParaRPr lang="en-GB" b="0" i="0" dirty="0">
+              <a:solidFill>
+                <a:srgbClr val="242626"/>
+              </a:solidFill>
+              <a:effectLst/>
+              <a:latin typeface="+mn-lt"/>
+            </a:endParaRPr>
+          </a:p>
+          <a:p>
             <a:r>
               <a:rPr lang="en-GB" b="0" i="0" dirty="0">
                 <a:solidFill>
@@ -1550,28 +1541,7 @@
                 <a:effectLst/>
                 <a:latin typeface="+mn-lt"/>
               </a:rPr>
-              <a:t>to pinpoint and resolve application vulnerabilities.  </a:t>
-            </a:r>
-          </a:p>
-          <a:p>
-            <a:endParaRPr lang="en-GB" b="0" i="0" dirty="0">
-              <a:solidFill>
-                <a:srgbClr val="242626"/>
-              </a:solidFill>
-              <a:effectLst/>
-              <a:latin typeface="+mn-lt"/>
-            </a:endParaRPr>
-          </a:p>
-          <a:p>
-            <a:r>
-              <a:rPr lang="en-GB" b="0" i="0" dirty="0">
-                <a:solidFill>
-                  <a:srgbClr val="242626"/>
-                </a:solidFill>
-                <a:effectLst/>
-                <a:latin typeface="+mn-lt"/>
-              </a:rPr>
-              <a:t>61% said that the use of 3</a:t>
+              <a:t>61% 3</a:t>
             </a:r>
             <a:r>
               <a:rPr lang="en-GB" b="0" i="0" baseline="30000" dirty="0">
@@ -1591,17 +1561,8 @@
                 <a:effectLst/>
                 <a:latin typeface="+mn-lt"/>
               </a:rPr>
-              <a:t> part code caused issues.  If we think about Log4J a number of organisations believed they where not exposed until they started to think about the dependencies not just of their own code, but the dependencies of the packages they use, and the exposure their vendors had.</a:t>
-            </a:r>
-          </a:p>
-          <a:p>
-            <a:endParaRPr lang="en-GB" b="0" i="0" dirty="0">
-              <a:solidFill>
-                <a:srgbClr val="242626"/>
-              </a:solidFill>
-              <a:effectLst/>
-              <a:latin typeface="+mn-lt"/>
-            </a:endParaRPr>
+              <a:t> party code caused issues.  Log4J; not exposed; think about the dependencies</a:t>
+            </a:r>
           </a:p>
           <a:p>
             <a:r>
@@ -1612,25 +1573,10 @@
                 <a:effectLst/>
                 <a:latin typeface="+mn-lt"/>
               </a:rPr>
-              <a:t>I love the second value … 55% blamed DevOps and Agile.  Two of the great innovations in the development world are causing our Cyber leaders pain.  Development is becoming too efficient and moving too quickly for security to keep up!</a:t>
-            </a:r>
-          </a:p>
-          <a:p>
-            <a:endParaRPr lang="en-GB" b="0" i="0" dirty="0">
-              <a:solidFill>
-                <a:srgbClr val="242626"/>
-              </a:solidFill>
-              <a:effectLst/>
-              <a:latin typeface="+mn-lt"/>
-            </a:endParaRPr>
-          </a:p>
-          <a:p>
-            <a:r>
-              <a:rPr lang="en-GB" dirty="0">
-                <a:latin typeface="+mn-lt"/>
-              </a:rPr>
-              <a:t>Finally, another recent report provided details of</a:t>
-            </a:r>
+              <a:t>55% blamed DevOps and Agile; New innovations causing pain; Security to keep up!</a:t>
+            </a:r>
+          </a:p>
+          <a:p>
             <a:r>
               <a:rPr lang="en-GB" b="0" i="0" dirty="0">
                 <a:solidFill>
@@ -1639,7 +1585,19 @@
                 <a:effectLst/>
                 <a:latin typeface="+mn-lt"/>
               </a:rPr>
-              <a:t> scans of 130,000 applications which found that nearly 68% of apps had a security flaw that fell into the OWASP Top 10.  Hopefully we are all aware of OWASP (Open Web Application Security Project); the Open Source Foundation regularly revise and publish their top 10 vulnerabilities found in Web apps.  The most recent (2021) has broken access control at number 1.  Injection (including SQL Injection) is always in the top 10, this time at number 3.  So what can tooling do to help our CISOs sleep better and our developers to avoid some basic mistakes?</a:t>
+              <a:t>Scans of 130,000 applications; 68% of apps had a security OWASP flaw; Broken access control at number 1; Injection number 3</a:t>
+            </a:r>
+          </a:p>
+          <a:p>
+            <a:r>
+              <a:rPr lang="en-GB" b="0" i="0" dirty="0">
+                <a:solidFill>
+                  <a:srgbClr val="242626"/>
+                </a:solidFill>
+                <a:effectLst/>
+                <a:latin typeface="+mn-lt"/>
+              </a:rPr>
+              <a:t>So what can tooling do to help our CISOs sleep better and our developers to avoid some basic mistakes?</a:t>
             </a:r>
           </a:p>
           <a:p>
@@ -1758,7 +1716,7 @@
                 <a:effectLst/>
                 <a:latin typeface="Arimo"/>
               </a:rPr>
-              <a:t>25,226 Common Vulnerabilities and Exposures (CVEs) were published last year alone; and increase of 25% from 2021.  A</a:t>
+              <a:t>25,226 CVEs last year alone; and increase of 25%; </a:t>
             </a:r>
             <a:r>
               <a:rPr lang="en-GB" sz="1300" dirty="0">
@@ -1767,16 +1725,8 @@
                 </a:solidFill>
                 <a:latin typeface="Arimo"/>
               </a:rPr>
-              <a:t>lmost 70 per day!  This year already there are almost 5,000.</a:t>
-            </a:r>
-          </a:p>
-          <a:p>
-            <a:endParaRPr lang="en-GB" sz="1300" dirty="0">
-              <a:solidFill>
-                <a:srgbClr val="231F20"/>
-              </a:solidFill>
-              <a:latin typeface="Arimo"/>
-            </a:endParaRPr>
+              <a:t>70 per day; Already almost 5,000</a:t>
+            </a:r>
           </a:p>
           <a:p>
             <a:r>
@@ -1786,7 +1736,7 @@
                 </a:solidFill>
                 <a:latin typeface="Arimo"/>
               </a:rPr>
-              <a:t>Of those 26,000 CVEs in 2022, 3.4% (860) had a CVSS score between 9 and 10, the most critical.</a:t>
+              <a:t>3.4% (860) had a CVSS score between 9 and 10, the most critical.</a:t>
             </a:r>
             <a:endParaRPr lang="en-GB" b="0" i="0" dirty="0">
               <a:solidFill>
@@ -1807,6 +1757,10 @@
           </a:p>
           <a:p>
             <a:r>
+              <a:rPr lang="en-GB" dirty="0"/>
+              <a:t>State of Application Security report; </a:t>
+            </a:r>
+            <a:r>
               <a:rPr lang="en-GB" b="0" i="0" dirty="0">
                 <a:solidFill>
                   <a:srgbClr val="231F20"/>
@@ -1814,12 +1768,19 @@
                 <a:effectLst/>
                 <a:latin typeface="Arimo"/>
               </a:rPr>
-              <a:t>A report on the </a:t>
-            </a:r>
-            <a:r>
-              <a:rPr lang="en-GB" dirty="0"/>
-              <a:t>State of Application Security (Forrester) tells us that </a:t>
-            </a:r>
+              <a:t>57% could have been prevented by installing an available patch;  34% knew of the vulnerability, but hadn’t taken action</a:t>
+            </a:r>
+          </a:p>
+          <a:p>
+            <a:endParaRPr lang="en-GB" b="0" i="0" dirty="0">
+              <a:solidFill>
+                <a:srgbClr val="231F20"/>
+              </a:solidFill>
+              <a:effectLst/>
+              <a:latin typeface="Arimo"/>
+            </a:endParaRPr>
+          </a:p>
+          <a:p>
             <a:r>
               <a:rPr lang="en-GB" b="0" i="0" dirty="0">
                 <a:solidFill>
@@ -1828,48 +1789,7 @@
                 <a:effectLst/>
                 <a:latin typeface="Arimo"/>
               </a:rPr>
-              <a:t>57% of cyberattack victims report that their breaches could have been prevented by installing an available patch.  Even more chilling, 34% of those victims knew of the vulnerability, but hadn’t taken action</a:t>
-            </a:r>
-          </a:p>
-          <a:p>
-            <a:endParaRPr lang="en-GB" b="0" i="0" dirty="0">
-              <a:solidFill>
-                <a:srgbClr val="231F20"/>
-              </a:solidFill>
-              <a:effectLst/>
-              <a:latin typeface="Arimo"/>
-            </a:endParaRPr>
-          </a:p>
-          <a:p>
-            <a:r>
-              <a:rPr lang="en-GB" b="0" i="0" dirty="0">
-                <a:solidFill>
-                  <a:srgbClr val="231F20"/>
-                </a:solidFill>
-                <a:effectLst/>
-                <a:latin typeface="Arimo"/>
-              </a:rPr>
-              <a:t>74% of companies say they simply can’t patch fast enough because the average time to patch is 102 days according to </a:t>
-            </a:r>
-            <a:r>
-              <a:rPr lang="en-GB" b="0" i="0" dirty="0" err="1">
-                <a:solidFill>
-                  <a:srgbClr val="231F20"/>
-                </a:solidFill>
-                <a:effectLst/>
-                <a:latin typeface="Arimo"/>
-              </a:rPr>
-              <a:t>Ponemon</a:t>
-            </a:r>
-            <a:r>
-              <a:rPr lang="en-GB" b="0" i="0" dirty="0">
-                <a:solidFill>
-                  <a:srgbClr val="231F20"/>
-                </a:solidFill>
-                <a:effectLst/>
-                <a:latin typeface="Arimo"/>
-              </a:rPr>
-              <a:t>.</a:t>
+              <a:t>74% of companies say they simply can’t patch fast enough because the average time to patch is 102 days</a:t>
             </a:r>
             <a:endParaRPr lang="en-GB" dirty="0"/>
           </a:p>
@@ -1972,36 +1892,17 @@
           <a:lstStyle/>
           <a:p>
             <a:r>
-              <a:rPr lang="en-GB" dirty="0"/>
-              <a:t>So, how</a:t>
-            </a:r>
-            <a:r>
               <a:rPr lang="en-GB" baseline="0" dirty="0"/>
-              <a:t> do we fix it, and where should Security live in the SDLC?  Well … everywhere.</a:t>
-            </a:r>
+              <a:t>Create a culture of collaboration; earliest stages and running throughout the lifecycle.</a:t>
+            </a:r>
+          </a:p>
+          <a:p>
+            <a:endParaRPr lang="en-GB" baseline="0" dirty="0"/>
           </a:p>
           <a:p>
             <a:r>
               <a:rPr lang="en-GB" baseline="0" dirty="0"/>
-              <a:t>Work must be done to create a culture of collaboration between development, operations, and security with engagement being established as the earliest stages of a project or change, and running throughout the lifecycle.</a:t>
-            </a:r>
-          </a:p>
-          <a:p>
-            <a:endParaRPr lang="en-GB" baseline="0" dirty="0"/>
-          </a:p>
-          <a:p>
-            <a:r>
-              <a:rPr lang="en-GB" baseline="0" dirty="0"/>
-              <a:t>Too often Security, like testing, is an afterthought.  Problems are found too late to be corrected in time, and the system moves forward, running at risk.  Here starts the technical debt spiral.  Promises of, “we’ll fix this later” are rarely delivered due to other pressures.</a:t>
-            </a:r>
-          </a:p>
-          <a:p>
-            <a:endParaRPr lang="en-GB" baseline="0" dirty="0"/>
-          </a:p>
-          <a:p>
-            <a:r>
-              <a:rPr lang="en-GB" baseline="0" dirty="0"/>
-              <a:t>Add in Cloud to this situation and part of this debt could lead to a major compromise or data breach on a massive scale.</a:t>
+              <a:t>Security, like testing, is an afterthought; Problems too late, moves forward, running at risk;  Technical debt spiral; “We’ll fix this later”;  Add in Cloud</a:t>
             </a:r>
           </a:p>
           <a:p>
@@ -2111,7 +2012,7 @@
           <a:p>
             <a:r>
               <a:rPr lang="en-GB" b="0" dirty="0"/>
-              <a:t>So, what should we be looking for.  I recommend using Vince’s 3 “I”s of Tooling for Developer Enablement!</a:t>
+              <a:t>So, what should we be looking for?</a:t>
             </a:r>
           </a:p>
           <a:p>
@@ -2126,69 +2027,43 @@
           <a:p>
             <a:r>
               <a:rPr lang="en-GB" dirty="0"/>
-              <a:t>Good developers are complex creatures and come in many shapes and sizes.  However, they often share some common characteristics.  They are good problem solvers and enjoy a challenge;  They don’t enjoy bureaucracy and can put a lot of effort into working around it; They don’t like interruptions especially is it involves “constructive” feedback!</a:t>
-            </a:r>
-          </a:p>
-          <a:p>
-            <a:endParaRPr lang="en-GB" dirty="0"/>
+              <a:t>Developers complex creatures; Good problem solvers and enjoy a challenge;  No bureaucracy; effort working around it; No interruptions; “constructive” feedback.</a:t>
+            </a:r>
           </a:p>
           <a:p>
             <a:r>
               <a:rPr lang="en-GB" dirty="0"/>
-              <a:t>So, any tool, especially something that is going to be looking over their shoulder, must integrate with their way of working and the closer it can get to the developer coalface, the better.  Developers live in their IDE and tools must be able to be incorporated easily.</a:t>
-            </a:r>
-          </a:p>
-          <a:p>
-            <a:endParaRPr lang="en-GB" dirty="0"/>
+              <a:t>Integrate with their way of working close to the coalface, the better.  Developers live in their IDE.</a:t>
+            </a:r>
           </a:p>
           <a:p>
             <a:r>
               <a:rPr lang="en-GB" dirty="0"/>
-              <a:t>Outside of the IDE, because of the well documented benefits of DevOps, Developers can no longer rely on “well it works on my machine” and CI/CD pipelines are a must for any successful development culture.  Combining DevOps with Security needs to be managed carefully to ensure that we don’t create blockages that the Developers will want to work around, or worse ignore altogether.</a:t>
-            </a:r>
-          </a:p>
-          <a:p>
-            <a:endParaRPr lang="en-GB" dirty="0"/>
+              <a:t>DevOps can’t rely on “well it works on my machine”; CI/CD pipelines; Don’t create blockages.</a:t>
+            </a:r>
           </a:p>
           <a:p>
             <a:r>
               <a:rPr lang="en-GB" dirty="0"/>
-              <a:t>From a </a:t>
-            </a:r>
-            <a:r>
-              <a:rPr lang="en-GB" dirty="0" err="1"/>
-              <a:t>DevSecOps</a:t>
-            </a:r>
+              <a:t>Create a safe space for Developers; Walled garden; Ability to create policies.</a:t>
+            </a:r>
+          </a:p>
+          <a:p>
             <a:r>
               <a:rPr lang="en-GB" dirty="0"/>
-              <a:t> point of view tooling must give Security the ability to create a safe space for Developers.  A walled garden that allows play and experimentation, but won’t let them hurt themselves, or others.  The ability to create policies will provide guidance, support, and the occasional slap on the wrist to keep the developers honest.  </a:t>
-            </a:r>
-          </a:p>
-          <a:p>
-            <a:endParaRPr lang="en-GB" dirty="0"/>
+              <a:t>A quick side note of policies;  Evidence-based policies are appropriate and pragmatic.</a:t>
+            </a:r>
           </a:p>
           <a:p>
             <a:r>
               <a:rPr lang="en-GB" dirty="0"/>
-              <a:t>A quick side note of policies.  Too often I speak with Cyber Security departments that are at odds with Developers.  This is typically due to overly restrictive policies that, on paper, are the right thing to do, but hobble Developers in their day-to-day work.  When challenged, Security respond with “you must comply”.  It’s important to create evidence-based policies, and review them regularly.  This way the everyone involved can have confidence that the policies are appropriate and pragmatic.</a:t>
-            </a:r>
-          </a:p>
-          <a:p>
-            <a:endParaRPr lang="en-GB" dirty="0"/>
+              <a:t>All or nothing;  One day working, the next failing; Without understanding the impact.  Able to run a “what-if” testing period. </a:t>
+            </a:r>
           </a:p>
           <a:p>
             <a:r>
               <a:rPr lang="en-GB" dirty="0"/>
-              <a:t>When introducing a new tool or process, too often it is all or nothing.  One day everything is working, the next, everything is failing.  What happened?  Someone turned something on without understanding the impact.  Whether this is a new tool, firewall rule, or policy, ensure you are able to run a “what-if” testing period. </a:t>
-            </a:r>
-          </a:p>
-          <a:p>
-            <a:endParaRPr lang="en-GB" dirty="0"/>
-          </a:p>
-          <a:p>
-            <a:r>
-              <a:rPr lang="en-GB" dirty="0"/>
-              <a:t>Finally for Integrations, consider the impact new tooling or policies will have.  There will always be a trade off between speed and accuracy.  Understand your risk tolerance and where your developers and security professionals feel comfortable while remaining productive.</a:t>
+              <a:t>There will always be a trade off between speed and accuracy;  Understand risk tolerance; feel comfortable while remaining productive.</a:t>
             </a:r>
           </a:p>
           <a:p>
@@ -2203,43 +2078,31 @@
           <a:p>
             <a:r>
               <a:rPr lang="en-GB" dirty="0"/>
-              <a:t>As we’ve already heard, in 2022 there were on average, 16 high or critical vulnerabilities identified every week.  Keeping up with this can be a full time job, so we need a tool that aggregates information from sources like NIST, NVD, SANS, OWASP, and the wider community to keep us informed.</a:t>
-            </a:r>
-          </a:p>
-          <a:p>
-            <a:endParaRPr lang="en-GB" dirty="0"/>
+              <a:t>2022 16 high or critical vulnerabilities every week; A tool that aggregates NIST, NVD, SANS, OWASP, and the wider community to keep us informed.</a:t>
+            </a:r>
           </a:p>
           <a:p>
             <a:r>
               <a:rPr lang="en-GB" dirty="0"/>
-              <a:t>Over the last few years we have seen a worrying trend in how quickly vulnerabilities are being abused.  Time to exploit has come down from months and years, to weeks, and sometimes even days.  Zero days are a fact of life in modern IT, but having a tool that can support you by keeping you up to date with remediation steps is vital.</a:t>
-            </a:r>
-          </a:p>
-          <a:p>
-            <a:endParaRPr lang="en-GB" dirty="0"/>
+              <a:t>Trend in how quickly vulnerabilities are being abused.  Time to exploit; Zero days; Support with remediation steps is vital.</a:t>
+            </a:r>
           </a:p>
           <a:p>
             <a:r>
               <a:rPr lang="en-GB" dirty="0"/>
-              <a:t>This applies not just to zero days, but to all vulnerabilities.  Often explanations provided by Cyber professionals can be complex and confusing and Developers are reduced to saying “just tell me how to fix it”.  Unfortunately, few security staff fully understand the remediation, given that it could be in any programming language, or component of an application.  A tool that can provide technology-specific recommendations in terms those who will be responsible for fixing any issues is invaluable.</a:t>
-            </a:r>
-          </a:p>
-          <a:p>
-            <a:endParaRPr lang="en-GB" dirty="0"/>
+              <a:t>Explanations are complex; Developers “just tell me how to fix it”; Security don’t understand remediation; Tool provide technology-specific recommendations.</a:t>
+            </a:r>
           </a:p>
           <a:p>
             <a:r>
               <a:rPr lang="en-GB" dirty="0"/>
-              <a:t>Any company that is operating today is gathering huge amounts of data, and security application vendors are no different.  With every scan that is run, with every package that is reviewed, with every issue highlighted to a Developer or Cyber Analyst, there is data to be recorded and used.  This data should be fed back into the tool to improve recommendations and give confidence in remediations.</a:t>
-            </a:r>
-          </a:p>
-          <a:p>
-            <a:endParaRPr lang="en-GB" dirty="0"/>
+              <a:t>Huge amounts of data; Every scan, package reviewed, issue highlighted; feed back into the tool to improve recommendations and give confidence in remediations.</a:t>
+            </a:r>
           </a:p>
           <a:p>
             <a:r>
               <a:rPr lang="en-GB" dirty="0"/>
-              <a:t>Security application vendors should go further and be open with their findings.  A popular trend is for companies to release annual reports that share information on the state of application security.  More and more we are seeing vendors participate in ethical disclosure programs… a rising tide lifts all ships!</a:t>
+              <a:t>Vendors open with their findings; Annual reports; Participate in ethical disclosure programs… a rising tide lifts all ships!</a:t>
             </a:r>
           </a:p>
           <a:p>
@@ -2254,7 +2117,19 @@
           <a:p>
             <a:r>
               <a:rPr lang="en-GB" dirty="0"/>
-              <a:t>With so much information available on vulnerabilities, proof-of-concept code availability, and exploits in the wild, it can be overwhelming to know where to start.  Being able to avoid alert fatigue and concentrate on what is really important is a must.  You may have a low severity vulnerability that affects every system you have,  but it’s the one instance of a critical vulnerability that you should be worrying about.  Tooling must help us prioritise our work.</a:t>
+              <a:t>Avoid alert fatigue; Concentrate; Low severity on every system; 1 critical worry about.  Tooling must help us prioritise our work.</a:t>
+            </a:r>
+          </a:p>
+          <a:p>
+            <a:r>
+              <a:rPr lang="en-GB" dirty="0"/>
+              <a:t>I’ve spoken a lot so far:  Risks without context are meaningless. Notoriety generates actions CSIRT meetings;  Log4j;  80% of code vital to understand complete Software Bill of Materials for your application.</a:t>
+            </a:r>
+          </a:p>
+          <a:p>
+            <a:r>
+              <a:rPr lang="en-GB" dirty="0"/>
+              <a:t>Licence; Open source not free; Track package usage; Developers are not going to read the terms and conditions.</a:t>
             </a:r>
           </a:p>
           <a:p>
@@ -2263,7 +2138,23 @@
           <a:p>
             <a:r>
               <a:rPr lang="en-GB" dirty="0"/>
-              <a:t>I’ve spoken a lot so far … and don’t worry, I’m almost done!  But if you remember only one thing from this presentation it’s this:  Risks without context are meaningless.  Too often an vulnerability gains notoriety, usually when it gets a cool name or appears on the mainstream news, and companies scramble to determine exposure and plan remediations.  We’ve all probably been involved in meetings where tensions were running high about an issue that had no impact on us.  However, when a headline grabbing vulnerability such as Log4j comes along, we need to be able to quickly understand our exposure.  Log4j focused the spotlight on a previously overlooked aspect of software development; our dependencies.  I spoke with numerous development teams who confidently stated that their code wasn’t affected, only to find out that one of the packages they use was.  With an estimated 80% of code not being written by your developers, it is vital to understand not only your code, but the complete Software Bill of Materials for your application.</a:t>
+              <a:t>Got tooling, created the processes, building a strong culture, next metric; </a:t>
+            </a:r>
+            <a:r>
+              <a:rPr lang="en-GB" dirty="0" err="1"/>
+              <a:t>MttR</a:t>
+            </a:r>
+            <a:r>
+              <a:rPr lang="en-GB" dirty="0"/>
+              <a:t>, # </a:t>
+            </a:r>
+            <a:r>
+              <a:rPr lang="en-GB" dirty="0" err="1"/>
+              <a:t>criticals</a:t>
+            </a:r>
+            <a:r>
+              <a:rPr lang="en-GB" dirty="0"/>
+              <a:t>,  successful builds; Compare to before; Are we getting better?  Tooling should track these metrics and show trending data to help us justify our existence to senior managers!</a:t>
             </a:r>
           </a:p>
           <a:p>
@@ -2272,25 +2163,13 @@
           <a:p>
             <a:r>
               <a:rPr lang="en-GB" dirty="0"/>
-              <a:t>Similarly, any package that is used probably has a licence.  Remember, open source doesn’t always mean free.  Use tooling to track package usage and highlight any issues, because I can guarantee you that Developers are not going to read the terms and conditions.</a:t>
-            </a:r>
-          </a:p>
-          <a:p>
-            <a:endParaRPr lang="en-GB" dirty="0"/>
+              <a:t>Too often we don’t tell anyone;  Advocate of highlighting the good; Share data with the whole company;  Uncomfortable; Open, honest comms key to continuous improvement.</a:t>
+            </a:r>
           </a:p>
           <a:p>
             <a:r>
               <a:rPr lang="en-GB" dirty="0"/>
-              <a:t>So, we’ve got the tool, we’ve created the processes, and we’re building a strong culture, but how do we know if it is working?  Metrics like Meantime to Remediate, number of critical vulnerabilities, and number of successful builds are all good indicators of the current state of play, but more important is how these values compare to yesterday, and the day before.  Are we getting better?  Tooling should be able to track these metrics and show trending data to help us justify our existence to senior managers!</a:t>
-            </a:r>
-          </a:p>
-          <a:p>
-            <a:endParaRPr lang="en-GB" dirty="0"/>
-          </a:p>
-          <a:p>
-            <a:r>
-              <a:rPr lang="en-GB" dirty="0"/>
-              <a:t>Finally … We’ve done all this good work, but too often we don’t tell anyone but a select few stakeholders.  I see it too often, so I’ve a huge advocate of highlighting the good as well as the bad.  Use tooling to share data with the whole company.  It can be uncomfortable at times, but open and honest communication are key to continuous improvement.  Ask me later about my year long project to passive aggressively improve our posture management.</a:t>
+              <a:t>Ask me later about my year long project to passive aggressively improve our posture management.</a:t>
             </a:r>
           </a:p>
         </p:txBody>
@@ -2377,7 +2256,7 @@
           <a:p>
             <a:r>
               <a:rPr lang="en-GB" dirty="0"/>
-              <a:t>Hopefully there was something in this presentation that you agreed with, or sounded familiar.  One of the phrases I really dislike is “</a:t>
+              <a:t>Something you agreed with, or sounded familiar;  “</a:t>
             </a:r>
             <a:r>
               <a:rPr lang="en-GB" dirty="0" err="1"/>
@@ -2385,16 +2264,21 @@
             </a:r>
             <a:r>
               <a:rPr lang="en-GB" dirty="0"/>
-              <a:t> is a journey”.  To me “journey” gives the impression that there is a destination, and we’ll eventually arrive at our </a:t>
+              <a:t> is a journey” gives the impression of destination; </a:t>
             </a:r>
             <a:r>
               <a:rPr lang="en-GB" dirty="0" err="1"/>
               <a:t>DevSecOps</a:t>
             </a:r>
             <a:r>
-              <a:rPr lang="en-GB"/>
+              <a:rPr lang="en-GB" dirty="0"/>
               <a:t> eutopia.  </a:t>
             </a:r>
+          </a:p>
+          <a:p>
+            <a:endParaRPr lang="en-GB" dirty="0"/>
+          </a:p>
+          <a:p>
             <a:r>
               <a:rPr lang="en-GB" dirty="0"/>
               <a:t>To me </a:t>
@@ -2405,7 +2289,7 @@
             </a:r>
             <a:r>
               <a:rPr lang="en-GB" dirty="0"/>
-              <a:t> is an adventure.  There’ll be ups and downs, and we’ll most likely lose a few people along the way, but as long as we all understand the direction we are going in, striving to make things better, we can’t help but learn and improve.</a:t>
+              <a:t> is an adventure.  There’ll be ups and downs, and we’ll most likely lose a few people along the way, but as long as we all understand the direction we are going in, striving to make things better, and are using the right mix of People, Processes, and Tooling, we can’t help but learn and improve.</a:t>
             </a:r>
           </a:p>
         </p:txBody>
@@ -12094,165 +11978,6 @@
           <a:chExt cx="0" cy="0"/>
         </a:xfrm>
       </p:grpSpPr>
-      <p:sp>
-        <p:nvSpPr>
-          <p:cNvPr id="2" name="Footer Placeholder 1"/>
-          <p:cNvSpPr>
-            <a:spLocks noGrp="1"/>
-          </p:cNvSpPr>
-          <p:nvPr>
-            <p:ph type="ftr" sz="quarter" idx="11"/>
-          </p:nvPr>
-        </p:nvSpPr>
-        <p:spPr>
-          <a:xfrm>
-            <a:off x="5033010" y="6381751"/>
-            <a:ext cx="5645537" cy="382270"/>
-          </a:xfrm>
-          <a:prstGeom prst="rect">
-            <a:avLst/>
-          </a:prstGeom>
-        </p:spPr>
-        <p:txBody>
-          <a:bodyPr vert="horz" lIns="91440" tIns="45720" rIns="91440" bIns="45720" rtlCol="0" anchor="ctr"/>
-          <a:lstStyle>
-            <a:defPPr>
-              <a:defRPr lang="en-US"/>
-            </a:defPPr>
-            <a:lvl1pPr marL="0" algn="ctr" defTabSz="914400" rtl="0" eaLnBrk="1" latinLnBrk="0" hangingPunct="1">
-              <a:defRPr sz="1200" kern="1200">
-                <a:solidFill>
-                  <a:schemeClr val="tx1">
-                    <a:tint val="75000"/>
-                  </a:schemeClr>
-                </a:solidFill>
-                <a:latin typeface="Arial" panose="020B0604020202020204" pitchFamily="34" charset="0"/>
-                <a:ea typeface="+mn-ea"/>
-                <a:cs typeface="Arial" panose="020B0604020202020204" pitchFamily="34" charset="0"/>
-              </a:defRPr>
-            </a:lvl1pPr>
-            <a:lvl2pPr marL="457200" algn="l" defTabSz="914400" rtl="0" eaLnBrk="1" latinLnBrk="0" hangingPunct="1">
-              <a:defRPr sz="1800" kern="1200">
-                <a:solidFill>
-                  <a:schemeClr val="tx1"/>
-                </a:solidFill>
-                <a:latin typeface="+mn-lt"/>
-                <a:ea typeface="+mn-ea"/>
-                <a:cs typeface="+mn-cs"/>
-              </a:defRPr>
-            </a:lvl2pPr>
-            <a:lvl3pPr marL="914400" algn="l" defTabSz="914400" rtl="0" eaLnBrk="1" latinLnBrk="0" hangingPunct="1">
-              <a:defRPr sz="1800" kern="1200">
-                <a:solidFill>
-                  <a:schemeClr val="tx1"/>
-                </a:solidFill>
-                <a:latin typeface="+mn-lt"/>
-                <a:ea typeface="+mn-ea"/>
-                <a:cs typeface="+mn-cs"/>
-              </a:defRPr>
-            </a:lvl3pPr>
-            <a:lvl4pPr marL="1371600" algn="l" defTabSz="914400" rtl="0" eaLnBrk="1" latinLnBrk="0" hangingPunct="1">
-              <a:defRPr sz="1800" kern="1200">
-                <a:solidFill>
-                  <a:schemeClr val="tx1"/>
-                </a:solidFill>
-                <a:latin typeface="+mn-lt"/>
-                <a:ea typeface="+mn-ea"/>
-                <a:cs typeface="+mn-cs"/>
-              </a:defRPr>
-            </a:lvl4pPr>
-            <a:lvl5pPr marL="1828800" algn="l" defTabSz="914400" rtl="0" eaLnBrk="1" latinLnBrk="0" hangingPunct="1">
-              <a:defRPr sz="1800" kern="1200">
-                <a:solidFill>
-                  <a:schemeClr val="tx1"/>
-                </a:solidFill>
-                <a:latin typeface="+mn-lt"/>
-                <a:ea typeface="+mn-ea"/>
-                <a:cs typeface="+mn-cs"/>
-              </a:defRPr>
-            </a:lvl5pPr>
-            <a:lvl6pPr marL="2286000" algn="l" defTabSz="914400" rtl="0" eaLnBrk="1" latinLnBrk="0" hangingPunct="1">
-              <a:defRPr sz="1800" kern="1200">
-                <a:solidFill>
-                  <a:schemeClr val="tx1"/>
-                </a:solidFill>
-                <a:latin typeface="+mn-lt"/>
-                <a:ea typeface="+mn-ea"/>
-                <a:cs typeface="+mn-cs"/>
-              </a:defRPr>
-            </a:lvl6pPr>
-            <a:lvl7pPr marL="2743200" algn="l" defTabSz="914400" rtl="0" eaLnBrk="1" latinLnBrk="0" hangingPunct="1">
-              <a:defRPr sz="1800" kern="1200">
-                <a:solidFill>
-                  <a:schemeClr val="tx1"/>
-                </a:solidFill>
-                <a:latin typeface="+mn-lt"/>
-                <a:ea typeface="+mn-ea"/>
-                <a:cs typeface="+mn-cs"/>
-              </a:defRPr>
-            </a:lvl7pPr>
-            <a:lvl8pPr marL="3200400" algn="l" defTabSz="914400" rtl="0" eaLnBrk="1" latinLnBrk="0" hangingPunct="1">
-              <a:defRPr sz="1800" kern="1200">
-                <a:solidFill>
-                  <a:schemeClr val="tx1"/>
-                </a:solidFill>
-                <a:latin typeface="+mn-lt"/>
-                <a:ea typeface="+mn-ea"/>
-                <a:cs typeface="+mn-cs"/>
-              </a:defRPr>
-            </a:lvl8pPr>
-            <a:lvl9pPr marL="3657600" algn="l" defTabSz="914400" rtl="0" eaLnBrk="1" latinLnBrk="0" hangingPunct="1">
-              <a:defRPr sz="1800" kern="1200">
-                <a:solidFill>
-                  <a:schemeClr val="tx1"/>
-                </a:solidFill>
-                <a:latin typeface="+mn-lt"/>
-                <a:ea typeface="+mn-ea"/>
-                <a:cs typeface="+mn-cs"/>
-              </a:defRPr>
-            </a:lvl9pPr>
-          </a:lstStyle>
-          <a:p>
-            <a:pPr marL="0" marR="0" lvl="0" indent="0" algn="ctr" defTabSz="914400" rtl="0" eaLnBrk="1" fontAlgn="auto" latinLnBrk="0" hangingPunct="1">
-              <a:lnSpc>
-                <a:spcPct val="100000"/>
-              </a:lnSpc>
-              <a:spcBef>
-                <a:spcPts val="0"/>
-              </a:spcBef>
-              <a:spcAft>
-                <a:spcPts val="0"/>
-              </a:spcAft>
-              <a:buClrTx/>
-              <a:buSzTx/>
-              <a:buFontTx/>
-              <a:buNone/>
-              <a:tabLst/>
-              <a:defRPr/>
-            </a:pPr>
-            <a:r>
-              <a:rPr lang="en-GB"/>
-              <a:t>Document classification: GREEN</a:t>
-            </a:r>
-            <a:endParaRPr kumimoji="0" lang="en-GB" sz="1200" b="0" i="0" u="none" strike="noStrike" kern="1200" cap="none" spc="0" normalizeH="0" baseline="0" noProof="0" dirty="0">
-              <a:ln>
-                <a:noFill/>
-              </a:ln>
-              <a:solidFill>
-                <a:srgbClr val="000000">
-                  <a:tint val="75000"/>
-                </a:srgbClr>
-              </a:solidFill>
-              <a:effectLst/>
-              <a:uLnTx/>
-              <a:uFillTx/>
-              <a:latin typeface="Arial" panose="020B0604020202020204" pitchFamily="34" charset="0"/>
-              <a:ea typeface="+mn-ea"/>
-              <a:cs typeface="Arial" panose="020B0604020202020204" pitchFamily="34" charset="0"/>
-            </a:endParaRPr>
-          </a:p>
-        </p:txBody>
-      </p:sp>
       <p:sp>
         <p:nvSpPr>
           <p:cNvPr id="4" name="Title 3"/>
